--- a/docs/Presentation2/Presentation2.pptx
+++ b/docs/Presentation2/Presentation2.pptx
@@ -7,12 +7,14 @@
   <p:sldIdLst>
     <p:sldId id="256" r:id="rId2"/>
     <p:sldId id="257" r:id="rId3"/>
-    <p:sldId id="258" r:id="rId4"/>
-    <p:sldId id="280" r:id="rId5"/>
-    <p:sldId id="281" r:id="rId6"/>
-    <p:sldId id="282" r:id="rId7"/>
-    <p:sldId id="283" r:id="rId8"/>
-    <p:sldId id="285" r:id="rId9"/>
+    <p:sldId id="286" r:id="rId4"/>
+    <p:sldId id="258" r:id="rId5"/>
+    <p:sldId id="287" r:id="rId6"/>
+    <p:sldId id="280" r:id="rId7"/>
+    <p:sldId id="281" r:id="rId8"/>
+    <p:sldId id="282" r:id="rId9"/>
+    <p:sldId id="283" r:id="rId10"/>
+    <p:sldId id="285" r:id="rId11"/>
   </p:sldIdLst>
   <p:sldSz cx="12192000" cy="6858000"/>
   <p:notesSz cx="6858000" cy="9144000"/>
@@ -1417,7 +1419,7 @@
           <a:p>
             <a:fld id="{58CB399E-D04E-480B-BE0A-5D700790CEE9}" type="datetimeFigureOut">
               <a:rPr kumimoji="1" lang="ja-JP" altLang="en-US" smtClean="0"/>
-              <a:t>2023/6/8</a:t>
+              <a:t>2023/6/9</a:t>
             </a:fld>
             <a:endParaRPr kumimoji="1" lang="ja-JP" altLang="en-US"/>
           </a:p>
@@ -1647,7 +1649,7 @@
           <a:p>
             <a:fld id="{58CB399E-D04E-480B-BE0A-5D700790CEE9}" type="datetimeFigureOut">
               <a:rPr kumimoji="1" lang="ja-JP" altLang="en-US" smtClean="0"/>
-              <a:t>2023/6/8</a:t>
+              <a:t>2023/6/9</a:t>
             </a:fld>
             <a:endParaRPr kumimoji="1" lang="ja-JP" altLang="en-US"/>
           </a:p>
@@ -1887,7 +1889,7 @@
           <a:p>
             <a:fld id="{58CB399E-D04E-480B-BE0A-5D700790CEE9}" type="datetimeFigureOut">
               <a:rPr kumimoji="1" lang="ja-JP" altLang="en-US" smtClean="0"/>
-              <a:t>2023/6/8</a:t>
+              <a:t>2023/6/9</a:t>
             </a:fld>
             <a:endParaRPr kumimoji="1" lang="ja-JP" altLang="en-US"/>
           </a:p>
@@ -2117,7 +2119,7 @@
           <a:p>
             <a:fld id="{58CB399E-D04E-480B-BE0A-5D700790CEE9}" type="datetimeFigureOut">
               <a:rPr kumimoji="1" lang="ja-JP" altLang="en-US" smtClean="0"/>
-              <a:t>2023/6/8</a:t>
+              <a:t>2023/6/9</a:t>
             </a:fld>
             <a:endParaRPr kumimoji="1" lang="ja-JP" altLang="en-US"/>
           </a:p>
@@ -2392,7 +2394,7 @@
           <a:p>
             <a:fld id="{58CB399E-D04E-480B-BE0A-5D700790CEE9}" type="datetimeFigureOut">
               <a:rPr kumimoji="1" lang="ja-JP" altLang="en-US" smtClean="0"/>
-              <a:t>2023/6/8</a:t>
+              <a:t>2023/6/9</a:t>
             </a:fld>
             <a:endParaRPr kumimoji="1" lang="ja-JP" altLang="en-US"/>
           </a:p>
@@ -2721,7 +2723,7 @@
           <a:p>
             <a:fld id="{58CB399E-D04E-480B-BE0A-5D700790CEE9}" type="datetimeFigureOut">
               <a:rPr kumimoji="1" lang="ja-JP" altLang="en-US" smtClean="0"/>
-              <a:t>2023/6/8</a:t>
+              <a:t>2023/6/9</a:t>
             </a:fld>
             <a:endParaRPr kumimoji="1" lang="ja-JP" altLang="en-US"/>
           </a:p>
@@ -3197,7 +3199,7 @@
           <a:p>
             <a:fld id="{58CB399E-D04E-480B-BE0A-5D700790CEE9}" type="datetimeFigureOut">
               <a:rPr kumimoji="1" lang="ja-JP" altLang="en-US" smtClean="0"/>
-              <a:t>2023/6/8</a:t>
+              <a:t>2023/6/9</a:t>
             </a:fld>
             <a:endParaRPr kumimoji="1" lang="ja-JP" altLang="en-US"/>
           </a:p>
@@ -3338,7 +3340,7 @@
           <a:p>
             <a:fld id="{58CB399E-D04E-480B-BE0A-5D700790CEE9}" type="datetimeFigureOut">
               <a:rPr kumimoji="1" lang="ja-JP" altLang="en-US" smtClean="0"/>
-              <a:t>2023/6/8</a:t>
+              <a:t>2023/6/9</a:t>
             </a:fld>
             <a:endParaRPr kumimoji="1" lang="ja-JP" altLang="en-US"/>
           </a:p>
@@ -3451,7 +3453,7 @@
           <a:p>
             <a:fld id="{58CB399E-D04E-480B-BE0A-5D700790CEE9}" type="datetimeFigureOut">
               <a:rPr kumimoji="1" lang="ja-JP" altLang="en-US" smtClean="0"/>
-              <a:t>2023/6/8</a:t>
+              <a:t>2023/6/9</a:t>
             </a:fld>
             <a:endParaRPr kumimoji="1" lang="ja-JP" altLang="en-US"/>
           </a:p>
@@ -3794,7 +3796,7 @@
           <a:p>
             <a:fld id="{58CB399E-D04E-480B-BE0A-5D700790CEE9}" type="datetimeFigureOut">
               <a:rPr kumimoji="1" lang="ja-JP" altLang="en-US" smtClean="0"/>
-              <a:t>2023/6/8</a:t>
+              <a:t>2023/6/9</a:t>
             </a:fld>
             <a:endParaRPr kumimoji="1" lang="ja-JP" altLang="en-US"/>
           </a:p>
@@ -4082,7 +4084,7 @@
           <a:p>
             <a:fld id="{58CB399E-D04E-480B-BE0A-5D700790CEE9}" type="datetimeFigureOut">
               <a:rPr kumimoji="1" lang="ja-JP" altLang="en-US" smtClean="0"/>
-              <a:t>2023/6/8</a:t>
+              <a:t>2023/6/9</a:t>
             </a:fld>
             <a:endParaRPr kumimoji="1" lang="ja-JP" altLang="en-US"/>
           </a:p>
@@ -4355,7 +4357,7 @@
           <a:p>
             <a:fld id="{58CB399E-D04E-480B-BE0A-5D700790CEE9}" type="datetimeFigureOut">
               <a:rPr kumimoji="1" lang="ja-JP" altLang="en-US" smtClean="0"/>
-              <a:t>2023/6/8</a:t>
+              <a:t>2023/6/9</a:t>
             </a:fld>
             <a:endParaRPr kumimoji="1" lang="ja-JP" altLang="en-US"/>
           </a:p>
@@ -4898,6 +4900,70 @@
 </p:sld>
 </file>
 
+<file path=ppt/slides/slide10.xml><?xml version="1.0" encoding="utf-8"?>
+<p:sld xmlns:a="http://schemas.openxmlformats.org/drawingml/2006/main" xmlns:r="http://schemas.openxmlformats.org/officeDocument/2006/relationships" xmlns:p="http://schemas.openxmlformats.org/presentationml/2006/main">
+  <p:cSld>
+    <p:spTree>
+      <p:nvGrpSpPr>
+        <p:cNvPr id="1" name=""/>
+        <p:cNvGrpSpPr/>
+        <p:nvPr/>
+      </p:nvGrpSpPr>
+      <p:grpSpPr>
+        <a:xfrm>
+          <a:off x="0" y="0"/>
+          <a:ext cx="0" cy="0"/>
+          <a:chOff x="0" y="0"/>
+          <a:chExt cx="0" cy="0"/>
+        </a:xfrm>
+      </p:grpSpPr>
+      <p:sp>
+        <p:nvSpPr>
+          <p:cNvPr id="2" name="タイトル 1">
+            <a:extLst>
+              <a:ext uri="{FF2B5EF4-FFF2-40B4-BE49-F238E27FC236}">
+                <a16:creationId xmlns:a16="http://schemas.microsoft.com/office/drawing/2014/main" id="{1514D980-0F1C-C103-DD1A-03FEA31943DD}"/>
+              </a:ext>
+            </a:extLst>
+          </p:cNvPr>
+          <p:cNvSpPr>
+            <a:spLocks noGrp="1"/>
+          </p:cNvSpPr>
+          <p:nvPr>
+            <p:ph type="title"/>
+          </p:nvPr>
+        </p:nvSpPr>
+        <p:spPr>
+          <a:xfrm>
+            <a:off x="838200" y="2766218"/>
+            <a:ext cx="10515600" cy="1325563"/>
+          </a:xfrm>
+        </p:spPr>
+        <p:txBody>
+          <a:bodyPr/>
+          <a:lstStyle/>
+          <a:p>
+            <a:pPr algn="ctr"/>
+            <a:r>
+              <a:rPr kumimoji="1" lang="ja-JP" altLang="en-US" dirty="0"/>
+              <a:t>質問</a:t>
+            </a:r>
+          </a:p>
+        </p:txBody>
+      </p:sp>
+    </p:spTree>
+    <p:extLst>
+      <p:ext uri="{BB962C8B-B14F-4D97-AF65-F5344CB8AC3E}">
+        <p14:creationId xmlns:p14="http://schemas.microsoft.com/office/powerpoint/2010/main" val="798523603"/>
+      </p:ext>
+    </p:extLst>
+  </p:cSld>
+  <p:clrMapOvr>
+    <a:masterClrMapping/>
+  </p:clrMapOvr>
+</p:sld>
+</file>
+
 <file path=ppt/slides/slide2.xml><?xml version="1.0" encoding="utf-8"?>
 <p:sld xmlns:a="http://schemas.openxmlformats.org/drawingml/2006/main" xmlns:r="http://schemas.openxmlformats.org/officeDocument/2006/relationships" xmlns:p="http://schemas.openxmlformats.org/presentationml/2006/main">
   <p:cSld>
@@ -4964,6 +5030,20 @@
         <p:txBody>
           <a:bodyPr/>
           <a:lstStyle/>
+          <a:p>
+            <a:pPr marL="514350" indent="-514350">
+              <a:buAutoNum type="arabicPeriod"/>
+            </a:pPr>
+            <a:r>
+              <a:rPr lang="ja-JP" altLang="en-US" dirty="0"/>
+              <a:t>変更</a:t>
+            </a:r>
+            <a:r>
+              <a:rPr kumimoji="1" lang="ja-JP" altLang="en-US" dirty="0"/>
+              <a:t>点</a:t>
+            </a:r>
+            <a:endParaRPr kumimoji="1" lang="en-US" altLang="ja-JP" dirty="0"/>
+          </a:p>
           <a:p>
             <a:pPr marL="514350" indent="-514350">
               <a:buAutoNum type="arabicPeriod"/>
@@ -5051,7 +5131,7 @@
           <p:cNvPr id="2" name="タイトル 1">
             <a:extLst>
               <a:ext uri="{FF2B5EF4-FFF2-40B4-BE49-F238E27FC236}">
-                <a16:creationId xmlns:a16="http://schemas.microsoft.com/office/drawing/2014/main" id="{B2DF5FEE-CB7E-9276-4BE9-CAA5078D83D5}"/>
+                <a16:creationId xmlns:a16="http://schemas.microsoft.com/office/drawing/2014/main" id="{CD7234B1-306B-7477-0520-89267155EF42}"/>
               </a:ext>
             </a:extLst>
           </p:cNvPr>
@@ -5069,7 +5149,7 @@
           <a:p>
             <a:r>
               <a:rPr kumimoji="1" lang="ja-JP" altLang="en-US" dirty="0"/>
-              <a:t>試験内容</a:t>
+              <a:t>変更点</a:t>
             </a:r>
           </a:p>
         </p:txBody>
@@ -5079,7 +5159,7 @@
           <p:cNvPr id="3" name="コンテンツ プレースホルダー 2">
             <a:extLst>
               <a:ext uri="{FF2B5EF4-FFF2-40B4-BE49-F238E27FC236}">
-                <a16:creationId xmlns:a16="http://schemas.microsoft.com/office/drawing/2014/main" id="{2369BB42-9CCD-0854-5722-FBC9E075177D}"/>
+                <a16:creationId xmlns:a16="http://schemas.microsoft.com/office/drawing/2014/main" id="{313EA778-B7ED-B7DC-D11B-AA1C5043FE03}"/>
               </a:ext>
             </a:extLst>
           </p:cNvPr>
@@ -5093,7 +5173,7 @@
         <p:spPr/>
         <p:txBody>
           <a:bodyPr>
-            <a:normAutofit fontScale="92500" lnSpcReduction="10000"/>
+            <a:normAutofit fontScale="77500" lnSpcReduction="20000"/>
           </a:bodyPr>
           <a:lstStyle/>
           <a:p>
@@ -5101,52 +5181,24 @@
               <a:buNone/>
             </a:pPr>
             <a:r>
-              <a:rPr lang="en-US" altLang="ja-JP" dirty="0"/>
-              <a:t>A = x * </a:t>
-            </a:r>
-            <a:r>
-              <a:rPr lang="en-US" altLang="ja-JP" dirty="0" err="1"/>
-              <a:t>i</a:t>
-            </a:r>
-            <a:r>
-              <a:rPr lang="en-US" altLang="ja-JP" dirty="0"/>
-              <a:t> + y; </a:t>
-            </a:r>
-            <a:r>
-              <a:rPr lang="ja-JP" altLang="en-US" dirty="0"/>
-              <a:t>の演算を測定する。</a:t>
-            </a:r>
-            <a:endParaRPr lang="en-US" altLang="ja-JP" dirty="0"/>
+              <a:rPr kumimoji="1" lang="ja-JP" altLang="en-US" dirty="0"/>
+              <a:t>・オペランドの個数の無制限化</a:t>
+            </a:r>
+            <a:endParaRPr kumimoji="1" lang="en-US" altLang="ja-JP" dirty="0"/>
           </a:p>
           <a:p>
             <a:pPr marL="0" indent="0">
               <a:buNone/>
             </a:pPr>
             <a:r>
-              <a:rPr lang="en-US" altLang="ja-JP" dirty="0"/>
-              <a:t>x = 10 (const), y = 100 (const), </a:t>
-            </a:r>
-            <a:r>
-              <a:rPr lang="en-US" altLang="ja-JP" dirty="0" err="1"/>
-              <a:t>i</a:t>
-            </a:r>
-            <a:r>
-              <a:rPr lang="en-US" altLang="ja-JP" dirty="0"/>
-              <a:t> </a:t>
-            </a:r>
-            <a:r>
-              <a:rPr lang="ja-JP" altLang="en-US" dirty="0"/>
-              <a:t>は</a:t>
-            </a:r>
-            <a:r>
-              <a:rPr lang="en-US" altLang="ja-JP" dirty="0"/>
-              <a:t>for</a:t>
-            </a:r>
-            <a:r>
-              <a:rPr lang="ja-JP" altLang="en-US" dirty="0"/>
-              <a:t>文のインデックス値。</a:t>
-            </a:r>
-            <a:endParaRPr lang="en-US" altLang="ja-JP" dirty="0"/>
+              <a:rPr kumimoji="1" lang="en-US" altLang="ja-JP" dirty="0"/>
+              <a:t>    </a:t>
+            </a:r>
+            <a:r>
+              <a:rPr kumimoji="1" lang="ja-JP" altLang="en-US" dirty="0"/>
+              <a:t>→ 引数の変更による命令の汎用化が可能に</a:t>
+            </a:r>
+            <a:endParaRPr kumimoji="1" lang="en-US" altLang="ja-JP" dirty="0"/>
           </a:p>
           <a:p>
             <a:pPr marL="0" indent="0">
@@ -5159,20 +5211,76 @@
               <a:buNone/>
             </a:pPr>
             <a:r>
+              <a:rPr kumimoji="1" lang="ja-JP" altLang="en-US" dirty="0"/>
+              <a:t>・ラベル機能を</a:t>
+            </a:r>
+            <a:r>
+              <a:rPr kumimoji="1" lang="en-US" altLang="ja-JP" dirty="0"/>
+              <a:t>Map</a:t>
+            </a:r>
+            <a:r>
+              <a:rPr kumimoji="1" lang="ja-JP" altLang="en-US" dirty="0"/>
+              <a:t>実装に変更</a:t>
+            </a:r>
+            <a:endParaRPr kumimoji="1" lang="en-US" altLang="ja-JP" dirty="0"/>
+          </a:p>
+          <a:p>
+            <a:pPr marL="0" indent="0">
+              <a:buNone/>
+            </a:pPr>
+            <a:r>
+              <a:rPr kumimoji="1" lang="en-US" altLang="ja-JP" dirty="0"/>
+              <a:t>     </a:t>
+            </a:r>
+            <a:r>
+              <a:rPr kumimoji="1" lang="ja-JP" altLang="en-US" dirty="0"/>
+              <a:t>→ </a:t>
+            </a:r>
+            <a:r>
+              <a:rPr kumimoji="1" lang="en-US" altLang="ja-JP" dirty="0"/>
+              <a:t>C++</a:t>
+            </a:r>
+            <a:r>
+              <a:rPr kumimoji="1" lang="ja-JP" altLang="en-US" dirty="0"/>
+              <a:t>の </a:t>
+            </a:r>
+            <a:r>
+              <a:rPr kumimoji="1" lang="en-US" altLang="ja-JP" dirty="0"/>
+              <a:t>Map </a:t>
+            </a:r>
+            <a:r>
+              <a:rPr kumimoji="1" lang="ja-JP" altLang="en-US" dirty="0"/>
+              <a:t>の </a:t>
+            </a:r>
+            <a:r>
+              <a:rPr kumimoji="1" lang="en-US" altLang="ja-JP" dirty="0"/>
+              <a:t>find </a:t>
+            </a:r>
+            <a:r>
+              <a:rPr lang="ja-JP" altLang="en-US" dirty="0"/>
+              <a:t>を利用した実装を採用。</a:t>
+            </a:r>
+            <a:endParaRPr lang="en-US" altLang="ja-JP" dirty="0"/>
+          </a:p>
+          <a:p>
+            <a:pPr marL="0" indent="0">
+              <a:buNone/>
+            </a:pPr>
+            <a:r>
               <a:rPr lang="en-US" altLang="ja-JP" dirty="0"/>
-              <a:t>for</a:t>
+              <a:t>          find </a:t>
             </a:r>
             <a:r>
               <a:rPr lang="ja-JP" altLang="en-US" dirty="0"/>
-              <a:t>文の繰り返し回数は</a:t>
+              <a:t>は </a:t>
             </a:r>
             <a:r>
               <a:rPr lang="en-US" altLang="ja-JP" dirty="0"/>
-              <a:t> (100, 1000, …, 10^8) </a:t>
+              <a:t>Map </a:t>
             </a:r>
             <a:r>
               <a:rPr lang="ja-JP" altLang="en-US" dirty="0"/>
-              <a:t>で実行。</a:t>
+              <a:t>のサイズに対して対数時間で動作するため</a:t>
             </a:r>
             <a:endParaRPr lang="en-US" altLang="ja-JP" dirty="0"/>
           </a:p>
@@ -5180,39 +5288,109 @@
             <a:pPr marL="0" indent="0">
               <a:buNone/>
             </a:pPr>
+            <a:r>
+              <a:rPr kumimoji="1" lang="en-US" altLang="ja-JP" dirty="0"/>
+              <a:t>          </a:t>
+            </a:r>
+            <a:r>
+              <a:rPr kumimoji="1" lang="ja-JP" altLang="en-US" dirty="0"/>
+              <a:t>従来の </a:t>
+            </a:r>
+            <a:r>
+              <a:rPr kumimoji="1" lang="en-US" altLang="ja-JP" dirty="0"/>
+              <a:t>vector </a:t>
+            </a:r>
+            <a:r>
+              <a:rPr kumimoji="1" lang="ja-JP" altLang="en-US" dirty="0"/>
+              <a:t>を</a:t>
+            </a:r>
+            <a:r>
+              <a:rPr lang="ja-JP" altLang="en-US" dirty="0"/>
+              <a:t>線形で探索するよりも高速に。</a:t>
+            </a:r>
             <a:endParaRPr lang="en-US" altLang="ja-JP" dirty="0"/>
           </a:p>
           <a:p>
             <a:pPr marL="0" indent="0">
               <a:buNone/>
             </a:pPr>
+            <a:endParaRPr kumimoji="1" lang="en-US" altLang="ja-JP" dirty="0"/>
+          </a:p>
+          <a:p>
+            <a:pPr marL="0" indent="0">
+              <a:buNone/>
+            </a:pPr>
             <a:r>
               <a:rPr lang="ja-JP" altLang="en-US" dirty="0"/>
-              <a:t>時間は </a:t>
+              <a:t>・ </a:t>
             </a:r>
             <a:r>
               <a:rPr lang="en-US" altLang="ja-JP" dirty="0"/>
-              <a:t>Windows </a:t>
-            </a:r>
-            <a:r>
-              <a:rPr lang="en-US" altLang="ja-JP" dirty="0" err="1"/>
-              <a:t>Powershell</a:t>
+              <a:t>GT, LT (</a:t>
+            </a:r>
+            <a:r>
+              <a:rPr lang="ja-JP" altLang="en-US" dirty="0"/>
+              <a:t>大小判定</a:t>
             </a:r>
             <a:r>
               <a:rPr lang="en-US" altLang="ja-JP" dirty="0"/>
+              <a:t>), LOGNOT(</a:t>
+            </a:r>
+            <a:r>
+              <a:rPr lang="ja-JP" altLang="en-US" dirty="0"/>
+              <a:t>論理否定</a:t>
+            </a:r>
+            <a:r>
+              <a:rPr lang="en-US" altLang="ja-JP" dirty="0"/>
+              <a:t>) </a:t>
+            </a:r>
+            <a:r>
+              <a:rPr lang="ja-JP" altLang="en-US" dirty="0"/>
+              <a:t>の追加 </a:t>
+            </a:r>
+            <a:endParaRPr lang="en-US" altLang="ja-JP" dirty="0"/>
+          </a:p>
+          <a:p>
+            <a:pPr marL="0" indent="0">
+              <a:buNone/>
+            </a:pPr>
+            <a:endParaRPr kumimoji="1" lang="en-US" altLang="ja-JP" dirty="0"/>
+          </a:p>
+          <a:p>
+            <a:pPr marL="0" indent="0">
+              <a:buNone/>
+            </a:pPr>
+            <a:r>
+              <a:rPr kumimoji="1" lang="ja-JP" altLang="en-US" dirty="0"/>
+              <a:t>・</a:t>
+            </a:r>
+            <a:r>
+              <a:rPr kumimoji="1" lang="en-US" altLang="ja-JP" dirty="0"/>
+              <a:t>Store, Load </a:t>
+            </a:r>
+            <a:r>
+              <a:rPr kumimoji="1" lang="ja-JP" altLang="en-US" dirty="0"/>
+              <a:t>命令を</a:t>
+            </a:r>
+            <a:r>
+              <a:rPr kumimoji="1" lang="en-US" altLang="ja-JP" dirty="0" err="1"/>
+              <a:t>GetLocal</a:t>
+            </a:r>
+            <a:r>
+              <a:rPr kumimoji="1" lang="en-US" altLang="ja-JP" dirty="0"/>
+              <a:t>, </a:t>
+            </a:r>
+            <a:r>
+              <a:rPr kumimoji="1" lang="en-US" altLang="ja-JP" dirty="0" err="1"/>
+              <a:t>SetLocal</a:t>
+            </a:r>
+            <a:r>
+              <a:rPr kumimoji="1" lang="en-US" altLang="ja-JP" dirty="0"/>
               <a:t> </a:t>
             </a:r>
             <a:r>
               <a:rPr lang="ja-JP" altLang="en-US" dirty="0"/>
-              <a:t>の </a:t>
-            </a:r>
-            <a:r>
-              <a:rPr lang="en-US" altLang="ja-JP" dirty="0"/>
-              <a:t>Measure-Command </a:t>
-            </a:r>
-            <a:r>
-              <a:rPr lang="ja-JP" altLang="en-US" dirty="0"/>
-              <a:t>を利用して測定。</a:t>
+              <a:t>へと変更</a:t>
             </a:r>
             <a:endParaRPr lang="en-US" altLang="ja-JP" dirty="0"/>
           </a:p>
@@ -5220,34 +5398,22 @@
             <a:pPr marL="0" indent="0">
               <a:buNone/>
             </a:pPr>
-            <a:endParaRPr lang="en-US" altLang="ja-JP" dirty="0"/>
-          </a:p>
-          <a:p>
-            <a:pPr marL="0" indent="0">
-              <a:buNone/>
-            </a:pPr>
-            <a:r>
-              <a:rPr lang="ja-JP" altLang="en-US" dirty="0"/>
-              <a:t>出力時間を含めたくなかったため、測定時に出力をし答え合わせを行うということはしなかった。</a:t>
-            </a:r>
-            <a:endParaRPr lang="en-US" altLang="ja-JP" dirty="0"/>
-          </a:p>
-          <a:p>
-            <a:pPr marL="0" indent="0">
-              <a:buNone/>
-            </a:pPr>
-            <a:r>
-              <a:rPr lang="ja-JP" altLang="en-US" dirty="0"/>
-              <a:t>答えはあらかじめ合っていることを確認している。</a:t>
-            </a:r>
-            <a:endParaRPr lang="en-US" altLang="ja-JP" dirty="0"/>
+            <a:r>
+              <a:rPr kumimoji="1" lang="en-US" altLang="ja-JP" dirty="0"/>
+              <a:t>    </a:t>
+            </a:r>
+            <a:r>
+              <a:rPr kumimoji="1" lang="ja-JP" altLang="en-US" dirty="0"/>
+              <a:t>→ スコープの概念に対応、デバッグが不十分の可能性がある。</a:t>
+            </a:r>
+            <a:endParaRPr kumimoji="1" lang="en-US" altLang="ja-JP" dirty="0"/>
           </a:p>
         </p:txBody>
       </p:sp>
     </p:spTree>
     <p:extLst>
       <p:ext uri="{BB962C8B-B14F-4D97-AF65-F5344CB8AC3E}">
-        <p14:creationId xmlns:p14="http://schemas.microsoft.com/office/powerpoint/2010/main" val="134621473"/>
+        <p14:creationId xmlns:p14="http://schemas.microsoft.com/office/powerpoint/2010/main" val="577113570"/>
       </p:ext>
     </p:extLst>
   </p:cSld>
@@ -5279,7 +5445,7 @@
           <p:cNvPr id="2" name="タイトル 1">
             <a:extLst>
               <a:ext uri="{FF2B5EF4-FFF2-40B4-BE49-F238E27FC236}">
-                <a16:creationId xmlns:a16="http://schemas.microsoft.com/office/drawing/2014/main" id="{4E0F3566-6D43-86F5-4F1E-D306D29CBCE6}"/>
+                <a16:creationId xmlns:a16="http://schemas.microsoft.com/office/drawing/2014/main" id="{B2DF5FEE-CB7E-9276-4BE9-CAA5078D83D5}"/>
               </a:ext>
             </a:extLst>
           </p:cNvPr>
@@ -5304,157 +5470,178 @@
       </p:sp>
       <p:sp>
         <p:nvSpPr>
-          <p:cNvPr id="3" name="テキスト プレースホルダー 2">
-            <a:extLst>
-              <a:ext uri="{FF2B5EF4-FFF2-40B4-BE49-F238E27FC236}">
-                <a16:creationId xmlns:a16="http://schemas.microsoft.com/office/drawing/2014/main" id="{3B45A087-8A62-528E-8915-E76B2F8270FE}"/>
-              </a:ext>
-            </a:extLst>
-          </p:cNvPr>
-          <p:cNvSpPr>
-            <a:spLocks noGrp="1"/>
-          </p:cNvSpPr>
-          <p:nvPr>
-            <p:ph type="body" idx="1"/>
-          </p:nvPr>
-        </p:nvSpPr>
-        <p:spPr>
-          <a:xfrm>
-            <a:off x="836612" y="1113248"/>
-            <a:ext cx="5157787" cy="823912"/>
-          </a:xfrm>
-        </p:spPr>
-        <p:txBody>
-          <a:bodyPr/>
+          <p:cNvPr id="3" name="コンテンツ プレースホルダー 2">
+            <a:extLst>
+              <a:ext uri="{FF2B5EF4-FFF2-40B4-BE49-F238E27FC236}">
+                <a16:creationId xmlns:a16="http://schemas.microsoft.com/office/drawing/2014/main" id="{2369BB42-9CCD-0854-5722-FBC9E075177D}"/>
+              </a:ext>
+            </a:extLst>
+          </p:cNvPr>
+          <p:cNvSpPr>
+            <a:spLocks noGrp="1"/>
+          </p:cNvSpPr>
+          <p:nvPr>
+            <p:ph idx="1"/>
+          </p:nvPr>
+        </p:nvSpPr>
+        <p:spPr/>
+        <p:txBody>
+          <a:bodyPr>
+            <a:normAutofit fontScale="92500" lnSpcReduction="10000"/>
+          </a:bodyPr>
           <a:lstStyle/>
           <a:p>
-            <a:r>
-              <a:rPr kumimoji="1" lang="en-US" altLang="ja-JP" dirty="0"/>
-              <a:t>C++</a:t>
-            </a:r>
-            <a:r>
-              <a:rPr kumimoji="1" lang="ja-JP" altLang="en-US" dirty="0"/>
-              <a:t>での実装</a:t>
-            </a:r>
-          </a:p>
-        </p:txBody>
-      </p:sp>
-      <p:pic>
-        <p:nvPicPr>
-          <p:cNvPr id="8" name="コンテンツ プレースホルダー 7" descr="テキスト, 手紙&#10;&#10;自動的に生成された説明">
-            <a:extLst>
-              <a:ext uri="{FF2B5EF4-FFF2-40B4-BE49-F238E27FC236}">
-                <a16:creationId xmlns:a16="http://schemas.microsoft.com/office/drawing/2014/main" id="{9260B7E7-7134-9485-9D0F-C99B9C5933EA}"/>
-              </a:ext>
-            </a:extLst>
-          </p:cNvPr>
-          <p:cNvPicPr>
-            <a:picLocks noGrp="1" noChangeAspect="1"/>
-          </p:cNvPicPr>
-          <p:nvPr>
-            <p:ph sz="half" idx="2"/>
-          </p:nvPr>
-        </p:nvPicPr>
-        <p:blipFill>
-          <a:blip r:embed="rId2">
-            <a:extLst>
-              <a:ext uri="{28A0092B-C50C-407E-A947-70E740481C1C}">
-                <a14:useLocalDpi xmlns:a14="http://schemas.microsoft.com/office/drawing/2010/main" val="0"/>
-              </a:ext>
-            </a:extLst>
-          </a:blip>
-          <a:stretch>
-            <a:fillRect/>
-          </a:stretch>
-        </p:blipFill>
-        <p:spPr>
-          <a:xfrm>
-            <a:off x="814387" y="3006726"/>
-            <a:ext cx="4436528" cy="2115882"/>
-          </a:xfrm>
-        </p:spPr>
-      </p:pic>
-      <p:sp>
-        <p:nvSpPr>
-          <p:cNvPr id="5" name="テキスト プレースホルダー 4">
-            <a:extLst>
-              <a:ext uri="{FF2B5EF4-FFF2-40B4-BE49-F238E27FC236}">
-                <a16:creationId xmlns:a16="http://schemas.microsoft.com/office/drawing/2014/main" id="{9B31E222-4A99-65E0-71A0-39143B8BF69B}"/>
-              </a:ext>
-            </a:extLst>
-          </p:cNvPr>
-          <p:cNvSpPr>
-            <a:spLocks noGrp="1"/>
-          </p:cNvSpPr>
-          <p:nvPr>
-            <p:ph type="body" sz="quarter" idx="3"/>
-          </p:nvPr>
-        </p:nvSpPr>
-        <p:spPr>
-          <a:xfrm>
-            <a:off x="6096000" y="1113248"/>
-            <a:ext cx="5183188" cy="823912"/>
-          </a:xfrm>
-        </p:spPr>
-        <p:txBody>
-          <a:bodyPr/>
-          <a:lstStyle/>
-          <a:p>
+            <a:pPr marL="0" indent="0">
+              <a:buNone/>
+            </a:pPr>
+            <a:r>
+              <a:rPr lang="en-US" altLang="ja-JP" dirty="0"/>
+              <a:t>A = x * </a:t>
+            </a:r>
+            <a:r>
+              <a:rPr lang="en-US" altLang="ja-JP" dirty="0" err="1"/>
+              <a:t>i</a:t>
+            </a:r>
+            <a:r>
+              <a:rPr lang="en-US" altLang="ja-JP" dirty="0"/>
+              <a:t> + y; </a:t>
+            </a:r>
             <a:r>
               <a:rPr lang="ja-JP" altLang="en-US" dirty="0"/>
-              <a:t>自作</a:t>
-            </a:r>
+              <a:t>の演算を測定する。</a:t>
+            </a:r>
+            <a:endParaRPr lang="en-US" altLang="ja-JP" dirty="0"/>
+          </a:p>
+          <a:p>
+            <a:pPr marL="0" indent="0">
+              <a:buNone/>
+            </a:pPr>
             <a:r>
               <a:rPr lang="en-US" altLang="ja-JP" dirty="0"/>
-              <a:t>VM</a:t>
+              <a:t>x = 10 (const), y = 100 (const), </a:t>
+            </a:r>
+            <a:r>
+              <a:rPr lang="en-US" altLang="ja-JP" dirty="0" err="1"/>
+              <a:t>i</a:t>
+            </a:r>
+            <a:r>
+              <a:rPr lang="en-US" altLang="ja-JP" dirty="0"/>
+              <a:t> </a:t>
             </a:r>
             <a:r>
               <a:rPr lang="ja-JP" altLang="en-US" dirty="0"/>
-              <a:t>での実装</a:t>
-            </a:r>
-            <a:endParaRPr kumimoji="1" lang="ja-JP" altLang="en-US" dirty="0"/>
-          </a:p>
-        </p:txBody>
-      </p:sp>
-      <p:pic>
-        <p:nvPicPr>
-          <p:cNvPr id="14" name="コンテンツ プレースホルダー 13" descr="テーブル&#10;&#10;中程度の精度で自動的に生成された説明">
-            <a:extLst>
-              <a:ext uri="{FF2B5EF4-FFF2-40B4-BE49-F238E27FC236}">
-                <a16:creationId xmlns:a16="http://schemas.microsoft.com/office/drawing/2014/main" id="{C0EB6C2D-6EE0-6D81-ED45-7749FEA23512}"/>
-              </a:ext>
-            </a:extLst>
-          </p:cNvPr>
-          <p:cNvPicPr>
-            <a:picLocks noGrp="1" noChangeAspect="1"/>
-          </p:cNvPicPr>
-          <p:nvPr>
-            <p:ph sz="quarter" idx="4"/>
-          </p:nvPr>
-        </p:nvPicPr>
-        <p:blipFill>
-          <a:blip r:embed="rId3">
-            <a:extLst>
-              <a:ext uri="{28A0092B-C50C-407E-A947-70E740481C1C}">
-                <a14:useLocalDpi xmlns:a14="http://schemas.microsoft.com/office/drawing/2010/main" val="0"/>
-              </a:ext>
-            </a:extLst>
-          </a:blip>
-          <a:stretch>
-            <a:fillRect/>
-          </a:stretch>
-        </p:blipFill>
-        <p:spPr>
-          <a:xfrm>
-            <a:off x="6096000" y="2438811"/>
-            <a:ext cx="3212579" cy="3684588"/>
-          </a:xfrm>
-        </p:spPr>
-      </p:pic>
+              <a:t>は</a:t>
+            </a:r>
+            <a:r>
+              <a:rPr lang="en-US" altLang="ja-JP" dirty="0"/>
+              <a:t>for</a:t>
+            </a:r>
+            <a:r>
+              <a:rPr lang="ja-JP" altLang="en-US" dirty="0"/>
+              <a:t>文のインデックス値。</a:t>
+            </a:r>
+            <a:endParaRPr lang="en-US" altLang="ja-JP" dirty="0"/>
+          </a:p>
+          <a:p>
+            <a:pPr marL="0" indent="0">
+              <a:buNone/>
+            </a:pPr>
+            <a:endParaRPr lang="en-US" altLang="ja-JP" dirty="0"/>
+          </a:p>
+          <a:p>
+            <a:pPr marL="0" indent="0">
+              <a:buNone/>
+            </a:pPr>
+            <a:r>
+              <a:rPr lang="en-US" altLang="ja-JP" dirty="0"/>
+              <a:t>for</a:t>
+            </a:r>
+            <a:r>
+              <a:rPr lang="ja-JP" altLang="en-US" dirty="0"/>
+              <a:t>文の繰り返し回数は</a:t>
+            </a:r>
+            <a:r>
+              <a:rPr lang="en-US" altLang="ja-JP" dirty="0"/>
+              <a:t> (100, 1000, …, 10^8) </a:t>
+            </a:r>
+            <a:r>
+              <a:rPr lang="ja-JP" altLang="en-US" dirty="0"/>
+              <a:t>で実行。</a:t>
+            </a:r>
+            <a:endParaRPr lang="en-US" altLang="ja-JP" dirty="0"/>
+          </a:p>
+          <a:p>
+            <a:pPr marL="0" indent="0">
+              <a:buNone/>
+            </a:pPr>
+            <a:endParaRPr lang="en-US" altLang="ja-JP" dirty="0"/>
+          </a:p>
+          <a:p>
+            <a:pPr marL="0" indent="0">
+              <a:buNone/>
+            </a:pPr>
+            <a:r>
+              <a:rPr lang="ja-JP" altLang="en-US" dirty="0"/>
+              <a:t>時間は </a:t>
+            </a:r>
+            <a:r>
+              <a:rPr lang="en-US" altLang="ja-JP" dirty="0"/>
+              <a:t>Windows </a:t>
+            </a:r>
+            <a:r>
+              <a:rPr lang="en-US" altLang="ja-JP" dirty="0" err="1"/>
+              <a:t>Powershell</a:t>
+            </a:r>
+            <a:r>
+              <a:rPr lang="en-US" altLang="ja-JP" dirty="0"/>
+              <a:t> </a:t>
+            </a:r>
+            <a:r>
+              <a:rPr lang="ja-JP" altLang="en-US" dirty="0"/>
+              <a:t>の </a:t>
+            </a:r>
+            <a:r>
+              <a:rPr lang="en-US" altLang="ja-JP" dirty="0"/>
+              <a:t>Measure-Command </a:t>
+            </a:r>
+            <a:r>
+              <a:rPr lang="ja-JP" altLang="en-US" dirty="0"/>
+              <a:t>を利用して測定。</a:t>
+            </a:r>
+            <a:endParaRPr lang="en-US" altLang="ja-JP" dirty="0"/>
+          </a:p>
+          <a:p>
+            <a:pPr marL="0" indent="0">
+              <a:buNone/>
+            </a:pPr>
+            <a:endParaRPr lang="en-US" altLang="ja-JP" dirty="0"/>
+          </a:p>
+          <a:p>
+            <a:pPr marL="0" indent="0">
+              <a:buNone/>
+            </a:pPr>
+            <a:r>
+              <a:rPr lang="ja-JP" altLang="en-US" dirty="0"/>
+              <a:t>出力時間を含めたくなかったため、測定時に出力をし答え合わせを行うということはしなかった。</a:t>
+            </a:r>
+            <a:endParaRPr lang="en-US" altLang="ja-JP" dirty="0"/>
+          </a:p>
+          <a:p>
+            <a:pPr marL="0" indent="0">
+              <a:buNone/>
+            </a:pPr>
+            <a:r>
+              <a:rPr lang="ja-JP" altLang="en-US" dirty="0"/>
+              <a:t>答えはあらかじめ合っていることを確認している。</a:t>
+            </a:r>
+            <a:endParaRPr lang="en-US" altLang="ja-JP" dirty="0"/>
+          </a:p>
+        </p:txBody>
+      </p:sp>
     </p:spTree>
     <p:extLst>
       <p:ext uri="{BB962C8B-B14F-4D97-AF65-F5344CB8AC3E}">
-        <p14:creationId xmlns:p14="http://schemas.microsoft.com/office/powerpoint/2010/main" val="1878457736"/>
+        <p14:creationId xmlns:p14="http://schemas.microsoft.com/office/powerpoint/2010/main" val="134621473"/>
       </p:ext>
     </p:extLst>
   </p:cSld>
@@ -5486,7 +5673,7 @@
           <p:cNvPr id="2" name="タイトル 1">
             <a:extLst>
               <a:ext uri="{FF2B5EF4-FFF2-40B4-BE49-F238E27FC236}">
-                <a16:creationId xmlns:a16="http://schemas.microsoft.com/office/drawing/2014/main" id="{8ADB4BC5-2770-AE79-0562-0F8CAA5811D7}"/>
+                <a16:creationId xmlns:a16="http://schemas.microsoft.com/office/drawing/2014/main" id="{26611C1B-7ECB-F1CE-E251-6745ECA4E404}"/>
               </a:ext>
             </a:extLst>
           </p:cNvPr>
@@ -5497,175 +5684,407 @@
             <p:ph type="title"/>
           </p:nvPr>
         </p:nvSpPr>
-        <p:spPr>
-          <a:xfrm>
-            <a:off x="839788" y="775923"/>
-            <a:ext cx="3932237" cy="609600"/>
-          </a:xfrm>
-        </p:spPr>
+        <p:spPr/>
         <p:txBody>
           <a:bodyPr/>
           <a:lstStyle/>
           <a:p>
             <a:r>
               <a:rPr kumimoji="1" lang="ja-JP" altLang="en-US" dirty="0"/>
-              <a:t>結果</a:t>
-            </a:r>
-          </a:p>
-        </p:txBody>
-      </p:sp>
-      <p:sp>
-        <p:nvSpPr>
-          <p:cNvPr id="4" name="テキスト プレースホルダー 3">
-            <a:extLst>
-              <a:ext uri="{FF2B5EF4-FFF2-40B4-BE49-F238E27FC236}">
-                <a16:creationId xmlns:a16="http://schemas.microsoft.com/office/drawing/2014/main" id="{3F237188-E402-7C5B-84D4-7DB705AF786B}"/>
-              </a:ext>
-            </a:extLst>
-          </p:cNvPr>
-          <p:cNvSpPr>
-            <a:spLocks noGrp="1"/>
-          </p:cNvSpPr>
-          <p:nvPr>
-            <p:ph type="body" sz="half" idx="2"/>
-          </p:nvPr>
-        </p:nvSpPr>
-        <p:spPr>
-          <a:xfrm>
-            <a:off x="839787" y="1523206"/>
-            <a:ext cx="4608513" cy="3811588"/>
-          </a:xfrm>
-        </p:spPr>
-        <p:txBody>
-          <a:bodyPr/>
-          <a:lstStyle/>
-          <a:p>
-            <a:r>
-              <a:rPr lang="en-US" altLang="ja-JP" dirty="0"/>
-              <a:t>for </a:t>
-            </a:r>
-            <a:r>
-              <a:rPr lang="ja-JP" altLang="en-US" dirty="0"/>
-              <a:t>文反復回数</a:t>
-            </a:r>
-            <a:r>
-              <a:rPr lang="en-US" altLang="ja-JP" dirty="0"/>
-              <a:t>10^6 </a:t>
-            </a:r>
-            <a:r>
-              <a:rPr lang="ja-JP" altLang="en-US" dirty="0"/>
-              <a:t>以降は </a:t>
-            </a:r>
-            <a:r>
-              <a:rPr lang="en-US" altLang="ja-JP" dirty="0"/>
-              <a:t>VM </a:t>
-            </a:r>
-            <a:r>
-              <a:rPr lang="ja-JP" altLang="en-US" dirty="0"/>
-              <a:t>の実行時間が測定不能なほど大きくなった。</a:t>
-            </a:r>
-            <a:endParaRPr lang="en-US" altLang="ja-JP" dirty="0"/>
-          </a:p>
-          <a:p>
-            <a:endParaRPr lang="en-US" altLang="ja-JP" dirty="0"/>
-          </a:p>
-          <a:p>
-            <a:r>
-              <a:rPr lang="en-US" altLang="ja-JP" dirty="0"/>
-              <a:t>C++</a:t>
-            </a:r>
-            <a:r>
-              <a:rPr lang="ja-JP" altLang="en-US" dirty="0"/>
-              <a:t>に比べて</a:t>
-            </a:r>
-            <a:r>
-              <a:rPr lang="en-US" altLang="ja-JP" dirty="0"/>
-              <a:t>VM</a:t>
-            </a:r>
-            <a:r>
-              <a:rPr lang="ja-JP" altLang="en-US" dirty="0"/>
-              <a:t>の方が増加し始めるのが早い。</a:t>
-            </a:r>
-            <a:endParaRPr lang="en-US" altLang="ja-JP" dirty="0"/>
-          </a:p>
-          <a:p>
-            <a:endParaRPr kumimoji="1" lang="en-US" altLang="ja-JP" dirty="0"/>
-          </a:p>
-          <a:p>
-            <a:endParaRPr kumimoji="1" lang="ja-JP" altLang="en-US" dirty="0"/>
+              <a:t>実行環境</a:t>
+            </a:r>
           </a:p>
         </p:txBody>
       </p:sp>
       <p:graphicFrame>
         <p:nvGraphicFramePr>
-          <p:cNvPr id="5" name="グラフ 4">
-            <a:extLst>
-              <a:ext uri="{FF2B5EF4-FFF2-40B4-BE49-F238E27FC236}">
-                <a16:creationId xmlns:a16="http://schemas.microsoft.com/office/drawing/2014/main" id="{C20C30EB-3904-D4A5-FB1B-CC931394A80B}"/>
+          <p:cNvPr id="4" name="表 4">
+            <a:extLst>
+              <a:ext uri="{FF2B5EF4-FFF2-40B4-BE49-F238E27FC236}">
+                <a16:creationId xmlns:a16="http://schemas.microsoft.com/office/drawing/2014/main" id="{689B561D-8643-5D59-F5C9-5E53D64E41E3}"/>
               </a:ext>
             </a:extLst>
           </p:cNvPr>
           <p:cNvGraphicFramePr>
-            <a:graphicFrameLocks/>
+            <a:graphicFrameLocks noGrp="1"/>
           </p:cNvGraphicFramePr>
           <p:nvPr>
+            <p:ph idx="1"/>
             <p:extLst>
               <p:ext uri="{D42A27DB-BD31-4B8C-83A1-F6EECF244321}">
-                <p14:modId xmlns:p14="http://schemas.microsoft.com/office/powerpoint/2010/main" val="1808736826"/>
+                <p14:modId xmlns:p14="http://schemas.microsoft.com/office/powerpoint/2010/main" val="2413641960"/>
               </p:ext>
             </p:extLst>
           </p:nvPr>
         </p:nvGraphicFramePr>
         <p:xfrm>
-          <a:off x="839788" y="2902227"/>
-          <a:ext cx="5465412" cy="3179850"/>
+          <a:off x="838200" y="1945640"/>
+          <a:ext cx="10515600" cy="1483360"/>
         </p:xfrm>
         <a:graphic>
-          <a:graphicData uri="http://schemas.openxmlformats.org/drawingml/2006/chart">
-            <c:chart xmlns:c="http://schemas.openxmlformats.org/drawingml/2006/chart" xmlns:r="http://schemas.openxmlformats.org/officeDocument/2006/relationships" r:id="rId2"/>
+          <a:graphicData uri="http://schemas.openxmlformats.org/drawingml/2006/table">
+            <a:tbl>
+              <a:tblPr bandRow="1">
+                <a:tableStyleId>{5C22544A-7EE6-4342-B048-85BDC9FD1C3A}</a:tableStyleId>
+              </a:tblPr>
+              <a:tblGrid>
+                <a:gridCol w="5257800">
+                  <a:extLst>
+                    <a:ext uri="{9D8B030D-6E8A-4147-A177-3AD203B41FA5}">
+                      <a16:colId xmlns:a16="http://schemas.microsoft.com/office/drawing/2014/main" val="472277091"/>
+                    </a:ext>
+                  </a:extLst>
+                </a:gridCol>
+                <a:gridCol w="5257800">
+                  <a:extLst>
+                    <a:ext uri="{9D8B030D-6E8A-4147-A177-3AD203B41FA5}">
+                      <a16:colId xmlns:a16="http://schemas.microsoft.com/office/drawing/2014/main" val="2699452561"/>
+                    </a:ext>
+                  </a:extLst>
+                </a:gridCol>
+              </a:tblGrid>
+              <a:tr h="370840">
+                <a:tc>
+                  <a:txBody>
+                    <a:bodyPr/>
+                    <a:lstStyle/>
+                    <a:p>
+                      <a:r>
+                        <a:rPr kumimoji="1" lang="en-US" altLang="ja-JP" dirty="0"/>
+                        <a:t>OS</a:t>
+                      </a:r>
+                      <a:endParaRPr kumimoji="1" lang="ja-JP" altLang="en-US" dirty="0"/>
+                    </a:p>
+                  </a:txBody>
+                  <a:tcPr/>
+                </a:tc>
+                <a:tc>
+                  <a:txBody>
+                    <a:bodyPr/>
+                    <a:lstStyle/>
+                    <a:p>
+                      <a:r>
+                        <a:rPr kumimoji="1" lang="en-US" altLang="ja-JP" dirty="0"/>
+                        <a:t>Windows11 Home 22H2</a:t>
+                      </a:r>
+                      <a:endParaRPr kumimoji="1" lang="ja-JP" altLang="en-US" dirty="0"/>
+                    </a:p>
+                  </a:txBody>
+                  <a:tcPr/>
+                </a:tc>
+                <a:extLst>
+                  <a:ext uri="{0D108BD9-81ED-4DB2-BD59-A6C34878D82A}">
+                    <a16:rowId xmlns:a16="http://schemas.microsoft.com/office/drawing/2014/main" val="3557103577"/>
+                  </a:ext>
+                </a:extLst>
+              </a:tr>
+              <a:tr h="370840">
+                <a:tc>
+                  <a:txBody>
+                    <a:bodyPr/>
+                    <a:lstStyle/>
+                    <a:p>
+                      <a:r>
+                        <a:rPr kumimoji="1" lang="en-US" altLang="ja-JP" dirty="0"/>
+                        <a:t>CPU</a:t>
+                      </a:r>
+                      <a:endParaRPr kumimoji="1" lang="ja-JP" altLang="en-US" dirty="0"/>
+                    </a:p>
+                  </a:txBody>
+                  <a:tcPr/>
+                </a:tc>
+                <a:tc>
+                  <a:txBody>
+                    <a:bodyPr/>
+                    <a:lstStyle/>
+                    <a:p>
+                      <a:r>
+                        <a:rPr kumimoji="1" lang="pt-BR" altLang="ja-JP" dirty="0"/>
+                        <a:t>Intel(R) Core(TM) i7-9700K CPU @ 3.60GHz</a:t>
+                      </a:r>
+                      <a:endParaRPr kumimoji="1" lang="ja-JP" altLang="en-US" dirty="0"/>
+                    </a:p>
+                  </a:txBody>
+                  <a:tcPr/>
+                </a:tc>
+                <a:extLst>
+                  <a:ext uri="{0D108BD9-81ED-4DB2-BD59-A6C34878D82A}">
+                    <a16:rowId xmlns:a16="http://schemas.microsoft.com/office/drawing/2014/main" val="304176969"/>
+                  </a:ext>
+                </a:extLst>
+              </a:tr>
+              <a:tr h="370840">
+                <a:tc>
+                  <a:txBody>
+                    <a:bodyPr/>
+                    <a:lstStyle/>
+                    <a:p>
+                      <a:r>
+                        <a:rPr kumimoji="1" lang="en-US" altLang="ja-JP" dirty="0"/>
+                        <a:t>RAM</a:t>
+                      </a:r>
+                      <a:endParaRPr kumimoji="1" lang="ja-JP" altLang="en-US" dirty="0"/>
+                    </a:p>
+                  </a:txBody>
+                  <a:tcPr/>
+                </a:tc>
+                <a:tc>
+                  <a:txBody>
+                    <a:bodyPr/>
+                    <a:lstStyle/>
+                    <a:p>
+                      <a:r>
+                        <a:rPr kumimoji="1" lang="en-US" altLang="ja-JP" dirty="0"/>
+                        <a:t>DDR4 32GB</a:t>
+                      </a:r>
+                      <a:endParaRPr kumimoji="1" lang="ja-JP" altLang="en-US" dirty="0"/>
+                    </a:p>
+                  </a:txBody>
+                  <a:tcPr/>
+                </a:tc>
+                <a:extLst>
+                  <a:ext uri="{0D108BD9-81ED-4DB2-BD59-A6C34878D82A}">
+                    <a16:rowId xmlns:a16="http://schemas.microsoft.com/office/drawing/2014/main" val="4149200110"/>
+                  </a:ext>
+                </a:extLst>
+              </a:tr>
+              <a:tr h="370840">
+                <a:tc>
+                  <a:txBody>
+                    <a:bodyPr/>
+                    <a:lstStyle/>
+                    <a:p>
+                      <a:r>
+                        <a:rPr kumimoji="1" lang="ja-JP" altLang="en-US" dirty="0"/>
+                        <a:t>ストレージ</a:t>
+                      </a:r>
+                    </a:p>
+                  </a:txBody>
+                  <a:tcPr/>
+                </a:tc>
+                <a:tc>
+                  <a:txBody>
+                    <a:bodyPr/>
+                    <a:lstStyle/>
+                    <a:p>
+                      <a:r>
+                        <a:rPr kumimoji="1" lang="en-US" altLang="ja-JP" dirty="0" err="1"/>
+                        <a:t>Hanye</a:t>
+                      </a:r>
+                      <a:r>
+                        <a:rPr kumimoji="1" lang="en-US" altLang="ja-JP" dirty="0"/>
+                        <a:t> ME70-2TA01 PCIe M.2 2TB</a:t>
+                      </a:r>
+                      <a:endParaRPr kumimoji="1" lang="ja-JP" altLang="en-US" dirty="0"/>
+                    </a:p>
+                  </a:txBody>
+                  <a:tcPr/>
+                </a:tc>
+                <a:extLst>
+                  <a:ext uri="{0D108BD9-81ED-4DB2-BD59-A6C34878D82A}">
+                    <a16:rowId xmlns:a16="http://schemas.microsoft.com/office/drawing/2014/main" val="777337783"/>
+                  </a:ext>
+                </a:extLst>
+              </a:tr>
+            </a:tbl>
           </a:graphicData>
         </a:graphic>
       </p:graphicFrame>
-      <p:pic>
-        <p:nvPicPr>
-          <p:cNvPr id="9" name="図 8" descr="テーブル&#10;&#10;自動的に生成された説明">
-            <a:extLst>
-              <a:ext uri="{FF2B5EF4-FFF2-40B4-BE49-F238E27FC236}">
-                <a16:creationId xmlns:a16="http://schemas.microsoft.com/office/drawing/2014/main" id="{9488085C-BEB4-BEA9-F07B-472837A674ED}"/>
-              </a:ext>
-            </a:extLst>
-          </p:cNvPr>
-          <p:cNvPicPr>
-            <a:picLocks noChangeAspect="1"/>
-          </p:cNvPicPr>
+      <p:sp>
+        <p:nvSpPr>
+          <p:cNvPr id="7" name="テキスト ボックス 6">
+            <a:extLst>
+              <a:ext uri="{FF2B5EF4-FFF2-40B4-BE49-F238E27FC236}">
+                <a16:creationId xmlns:a16="http://schemas.microsoft.com/office/drawing/2014/main" id="{32A972FB-0A20-BD5C-BAA7-EAEA4B0EF1F7}"/>
+              </a:ext>
+            </a:extLst>
+          </p:cNvPr>
+          <p:cNvSpPr txBox="1"/>
           <p:nvPr/>
-        </p:nvPicPr>
-        <p:blipFill>
-          <a:blip r:embed="rId3">
-            <a:extLst>
-              <a:ext uri="{28A0092B-C50C-407E-A947-70E740481C1C}">
-                <a14:useLocalDpi xmlns:a14="http://schemas.microsoft.com/office/drawing/2010/main" val="0"/>
-              </a:ext>
-            </a:extLst>
-          </a:blip>
-          <a:stretch>
-            <a:fillRect/>
-          </a:stretch>
-        </p:blipFill>
+        </p:nvSpPr>
         <p:spPr>
           <a:xfrm>
-            <a:off x="6451601" y="482327"/>
-            <a:ext cx="5100708" cy="5772508"/>
+            <a:off x="838200" y="1506022"/>
+            <a:ext cx="1569660" cy="369332"/>
           </a:xfrm>
           <a:prstGeom prst="rect">
             <a:avLst/>
           </a:prstGeom>
+          <a:noFill/>
         </p:spPr>
-      </p:pic>
+        <p:txBody>
+          <a:bodyPr wrap="none" rtlCol="0">
+            <a:spAutoFit/>
+          </a:bodyPr>
+          <a:lstStyle/>
+          <a:p>
+            <a:r>
+              <a:rPr kumimoji="1" lang="ja-JP" altLang="en-US" dirty="0"/>
+              <a:t>ハードウェア</a:t>
+            </a:r>
+          </a:p>
+        </p:txBody>
+      </p:sp>
+      <p:sp>
+        <p:nvSpPr>
+          <p:cNvPr id="8" name="テキスト ボックス 7">
+            <a:extLst>
+              <a:ext uri="{FF2B5EF4-FFF2-40B4-BE49-F238E27FC236}">
+                <a16:creationId xmlns:a16="http://schemas.microsoft.com/office/drawing/2014/main" id="{8BC5F7DD-50BD-FBF5-E470-094F7FA8427E}"/>
+              </a:ext>
+            </a:extLst>
+          </p:cNvPr>
+          <p:cNvSpPr txBox="1"/>
+          <p:nvPr/>
+        </p:nvSpPr>
+        <p:spPr>
+          <a:xfrm>
+            <a:off x="838200" y="3922651"/>
+            <a:ext cx="1829347" cy="369332"/>
+          </a:xfrm>
+          <a:prstGeom prst="rect">
+            <a:avLst/>
+          </a:prstGeom>
+          <a:noFill/>
+        </p:spPr>
+        <p:txBody>
+          <a:bodyPr wrap="none" rtlCol="0">
+            <a:spAutoFit/>
+          </a:bodyPr>
+          <a:lstStyle/>
+          <a:p>
+            <a:r>
+              <a:rPr kumimoji="1" lang="en-US" altLang="ja-JP" dirty="0"/>
+              <a:t>C++</a:t>
+            </a:r>
+            <a:r>
+              <a:rPr kumimoji="1" lang="ja-JP" altLang="en-US" dirty="0"/>
+              <a:t>コンパイラ</a:t>
+            </a:r>
+          </a:p>
+        </p:txBody>
+      </p:sp>
+      <p:graphicFrame>
+        <p:nvGraphicFramePr>
+          <p:cNvPr id="9" name="表 4">
+            <a:extLst>
+              <a:ext uri="{FF2B5EF4-FFF2-40B4-BE49-F238E27FC236}">
+                <a16:creationId xmlns:a16="http://schemas.microsoft.com/office/drawing/2014/main" id="{4F72CA78-9BDB-7D91-4E15-B3EB44DFB5E9}"/>
+              </a:ext>
+            </a:extLst>
+          </p:cNvPr>
+          <p:cNvGraphicFramePr>
+            <a:graphicFrameLocks/>
+          </p:cNvGraphicFramePr>
+          <p:nvPr>
+            <p:extLst>
+              <p:ext uri="{D42A27DB-BD31-4B8C-83A1-F6EECF244321}">
+                <p14:modId xmlns:p14="http://schemas.microsoft.com/office/powerpoint/2010/main" val="2578575752"/>
+              </p:ext>
+            </p:extLst>
+          </p:nvPr>
+        </p:nvGraphicFramePr>
+        <p:xfrm>
+          <a:off x="858341" y="4519023"/>
+          <a:ext cx="10515600" cy="741680"/>
+        </p:xfrm>
+        <a:graphic>
+          <a:graphicData uri="http://schemas.openxmlformats.org/drawingml/2006/table">
+            <a:tbl>
+              <a:tblPr bandRow="1">
+                <a:tableStyleId>{5C22544A-7EE6-4342-B048-85BDC9FD1C3A}</a:tableStyleId>
+              </a:tblPr>
+              <a:tblGrid>
+                <a:gridCol w="5257800">
+                  <a:extLst>
+                    <a:ext uri="{9D8B030D-6E8A-4147-A177-3AD203B41FA5}">
+                      <a16:colId xmlns:a16="http://schemas.microsoft.com/office/drawing/2014/main" val="472277091"/>
+                    </a:ext>
+                  </a:extLst>
+                </a:gridCol>
+                <a:gridCol w="5257800">
+                  <a:extLst>
+                    <a:ext uri="{9D8B030D-6E8A-4147-A177-3AD203B41FA5}">
+                      <a16:colId xmlns:a16="http://schemas.microsoft.com/office/drawing/2014/main" val="2699452561"/>
+                    </a:ext>
+                  </a:extLst>
+                </a:gridCol>
+              </a:tblGrid>
+              <a:tr h="370840">
+                <a:tc>
+                  <a:txBody>
+                    <a:bodyPr/>
+                    <a:lstStyle/>
+                    <a:p>
+                      <a:r>
+                        <a:rPr kumimoji="1" lang="ja-JP" altLang="en-US" dirty="0"/>
+                        <a:t>コンパイラ</a:t>
+                      </a:r>
+                    </a:p>
+                  </a:txBody>
+                  <a:tcPr/>
+                </a:tc>
+                <a:tc>
+                  <a:txBody>
+                    <a:bodyPr/>
+                    <a:lstStyle/>
+                    <a:p>
+                      <a:r>
+                        <a:rPr kumimoji="1" lang="en-US" altLang="ja-JP" dirty="0"/>
+                        <a:t>GCC-8.2.0</a:t>
+                      </a:r>
+                      <a:endParaRPr kumimoji="1" lang="ja-JP" altLang="en-US" dirty="0"/>
+                    </a:p>
+                  </a:txBody>
+                  <a:tcPr/>
+                </a:tc>
+                <a:extLst>
+                  <a:ext uri="{0D108BD9-81ED-4DB2-BD59-A6C34878D82A}">
+                    <a16:rowId xmlns:a16="http://schemas.microsoft.com/office/drawing/2014/main" val="3557103577"/>
+                  </a:ext>
+                </a:extLst>
+              </a:tr>
+              <a:tr h="370840">
+                <a:tc>
+                  <a:txBody>
+                    <a:bodyPr/>
+                    <a:lstStyle/>
+                    <a:p>
+                      <a:r>
+                        <a:rPr kumimoji="1" lang="ja-JP" altLang="en-US" dirty="0"/>
+                        <a:t>オプション</a:t>
+                      </a:r>
+                    </a:p>
+                  </a:txBody>
+                  <a:tcPr/>
+                </a:tc>
+                <a:tc>
+                  <a:txBody>
+                    <a:bodyPr/>
+                    <a:lstStyle/>
+                    <a:p>
+                      <a:r>
+                        <a:rPr kumimoji="1" lang="ja-JP" altLang="en-US" dirty="0"/>
+                        <a:t>指定なし</a:t>
+                      </a:r>
+                    </a:p>
+                  </a:txBody>
+                  <a:tcPr/>
+                </a:tc>
+                <a:extLst>
+                  <a:ext uri="{0D108BD9-81ED-4DB2-BD59-A6C34878D82A}">
+                    <a16:rowId xmlns:a16="http://schemas.microsoft.com/office/drawing/2014/main" val="304176969"/>
+                  </a:ext>
+                </a:extLst>
+              </a:tr>
+            </a:tbl>
+          </a:graphicData>
+        </a:graphic>
+      </p:graphicFrame>
     </p:spTree>
     <p:extLst>
       <p:ext uri="{BB962C8B-B14F-4D97-AF65-F5344CB8AC3E}">
-        <p14:creationId xmlns:p14="http://schemas.microsoft.com/office/powerpoint/2010/main" val="3714137410"/>
+        <p14:creationId xmlns:p14="http://schemas.microsoft.com/office/powerpoint/2010/main" val="2176219665"/>
       </p:ext>
     </p:extLst>
   </p:cSld>
@@ -5697,7 +6116,7 @@
           <p:cNvPr id="2" name="タイトル 1">
             <a:extLst>
               <a:ext uri="{FF2B5EF4-FFF2-40B4-BE49-F238E27FC236}">
-                <a16:creationId xmlns:a16="http://schemas.microsoft.com/office/drawing/2014/main" id="{5287AFCF-46DE-F764-89C6-270606A99E35}"/>
+                <a16:creationId xmlns:a16="http://schemas.microsoft.com/office/drawing/2014/main" id="{4E0F3566-6D43-86F5-4F1E-D306D29CBCE6}"/>
               </a:ext>
             </a:extLst>
           </p:cNvPr>
@@ -5715,107 +6134,164 @@
           <a:p>
             <a:r>
               <a:rPr kumimoji="1" lang="ja-JP" altLang="en-US" dirty="0"/>
-              <a:t>考察</a:t>
-            </a:r>
-          </a:p>
-        </p:txBody>
-      </p:sp>
-      <p:sp>
-        <p:nvSpPr>
-          <p:cNvPr id="3" name="コンテンツ プレースホルダー 2">
-            <a:extLst>
-              <a:ext uri="{FF2B5EF4-FFF2-40B4-BE49-F238E27FC236}">
-                <a16:creationId xmlns:a16="http://schemas.microsoft.com/office/drawing/2014/main" id="{07A91829-4C55-8026-280E-D7525C728A23}"/>
-              </a:ext>
-            </a:extLst>
-          </p:cNvPr>
-          <p:cNvSpPr>
-            <a:spLocks noGrp="1"/>
-          </p:cNvSpPr>
-          <p:nvPr>
-            <p:ph idx="1"/>
-          </p:nvPr>
-        </p:nvSpPr>
-        <p:spPr/>
+              <a:t>試験内容</a:t>
+            </a:r>
+          </a:p>
+        </p:txBody>
+      </p:sp>
+      <p:sp>
+        <p:nvSpPr>
+          <p:cNvPr id="3" name="テキスト プレースホルダー 2">
+            <a:extLst>
+              <a:ext uri="{FF2B5EF4-FFF2-40B4-BE49-F238E27FC236}">
+                <a16:creationId xmlns:a16="http://schemas.microsoft.com/office/drawing/2014/main" id="{3B45A087-8A62-528E-8915-E76B2F8270FE}"/>
+              </a:ext>
+            </a:extLst>
+          </p:cNvPr>
+          <p:cNvSpPr>
+            <a:spLocks noGrp="1"/>
+          </p:cNvSpPr>
+          <p:nvPr>
+            <p:ph type="body" idx="1"/>
+          </p:nvPr>
+        </p:nvSpPr>
+        <p:spPr>
+          <a:xfrm>
+            <a:off x="836612" y="1113248"/>
+            <a:ext cx="5157787" cy="823912"/>
+          </a:xfrm>
+        </p:spPr>
         <p:txBody>
           <a:bodyPr/>
           <a:lstStyle/>
           <a:p>
-            <a:pPr marL="0" indent="0">
-              <a:buNone/>
-            </a:pPr>
+            <a:r>
+              <a:rPr kumimoji="1" lang="en-US" altLang="ja-JP" dirty="0"/>
+              <a:t>C++</a:t>
+            </a:r>
             <a:r>
               <a:rPr kumimoji="1" lang="ja-JP" altLang="en-US" dirty="0"/>
-              <a:t>・</a:t>
-            </a:r>
-            <a:r>
-              <a:rPr kumimoji="1" lang="en-US" altLang="ja-JP" dirty="0"/>
+              <a:t>での実装</a:t>
+            </a:r>
+          </a:p>
+        </p:txBody>
+      </p:sp>
+      <p:pic>
+        <p:nvPicPr>
+          <p:cNvPr id="8" name="コンテンツ プレースホルダー 7" descr="テキスト, 手紙&#10;&#10;自動的に生成された説明">
+            <a:extLst>
+              <a:ext uri="{FF2B5EF4-FFF2-40B4-BE49-F238E27FC236}">
+                <a16:creationId xmlns:a16="http://schemas.microsoft.com/office/drawing/2014/main" id="{9260B7E7-7134-9485-9D0F-C99B9C5933EA}"/>
+              </a:ext>
+            </a:extLst>
+          </p:cNvPr>
+          <p:cNvPicPr>
+            <a:picLocks noGrp="1" noChangeAspect="1"/>
+          </p:cNvPicPr>
+          <p:nvPr>
+            <p:ph sz="half" idx="2"/>
+          </p:nvPr>
+        </p:nvPicPr>
+        <p:blipFill>
+          <a:blip r:embed="rId2">
+            <a:extLst>
+              <a:ext uri="{28A0092B-C50C-407E-A947-70E740481C1C}">
+                <a14:useLocalDpi xmlns:a14="http://schemas.microsoft.com/office/drawing/2010/main" val="0"/>
+              </a:ext>
+            </a:extLst>
+          </a:blip>
+          <a:stretch>
+            <a:fillRect/>
+          </a:stretch>
+        </p:blipFill>
+        <p:spPr>
+          <a:xfrm>
+            <a:off x="814387" y="3006726"/>
+            <a:ext cx="4436528" cy="2115882"/>
+          </a:xfrm>
+        </p:spPr>
+      </p:pic>
+      <p:sp>
+        <p:nvSpPr>
+          <p:cNvPr id="5" name="テキスト プレースホルダー 4">
+            <a:extLst>
+              <a:ext uri="{FF2B5EF4-FFF2-40B4-BE49-F238E27FC236}">
+                <a16:creationId xmlns:a16="http://schemas.microsoft.com/office/drawing/2014/main" id="{9B31E222-4A99-65E0-71A0-39143B8BF69B}"/>
+              </a:ext>
+            </a:extLst>
+          </p:cNvPr>
+          <p:cNvSpPr>
+            <a:spLocks noGrp="1"/>
+          </p:cNvSpPr>
+          <p:nvPr>
+            <p:ph type="body" sz="quarter" idx="3"/>
+          </p:nvPr>
+        </p:nvSpPr>
+        <p:spPr>
+          <a:xfrm>
+            <a:off x="6096000" y="1113248"/>
+            <a:ext cx="5183188" cy="823912"/>
+          </a:xfrm>
+        </p:spPr>
+        <p:txBody>
+          <a:bodyPr/>
+          <a:lstStyle/>
+          <a:p>
+            <a:r>
+              <a:rPr lang="ja-JP" altLang="en-US" dirty="0"/>
+              <a:t>自作</a:t>
+            </a:r>
+            <a:r>
+              <a:rPr lang="en-US" altLang="ja-JP" dirty="0"/>
               <a:t>VM</a:t>
             </a:r>
             <a:r>
-              <a:rPr kumimoji="1" lang="ja-JP" altLang="en-US" dirty="0"/>
-              <a:t>実装について、現状指数的に実行時間が増加しているため、反復回数が増加</a:t>
-            </a:r>
-            <a:r>
               <a:rPr lang="ja-JP" altLang="en-US" dirty="0"/>
-              <a:t>するにつれ今後</a:t>
-            </a:r>
-            <a:r>
-              <a:rPr kumimoji="1" lang="ja-JP" altLang="en-US" dirty="0"/>
-              <a:t>も同様の増加傾向になると考えられる。</a:t>
-            </a:r>
-            <a:endParaRPr kumimoji="1" lang="en-US" altLang="ja-JP" dirty="0"/>
-          </a:p>
-          <a:p>
-            <a:pPr marL="0" indent="0">
-              <a:buNone/>
-            </a:pPr>
-            <a:endParaRPr lang="en-US" altLang="ja-JP" dirty="0"/>
-          </a:p>
-          <a:p>
-            <a:pPr marL="0" indent="0">
-              <a:buNone/>
-            </a:pPr>
-            <a:r>
-              <a:rPr kumimoji="1" lang="ja-JP" altLang="en-US" dirty="0"/>
-              <a:t>・命令実行のたびに命令解釈を行うため、</a:t>
-            </a:r>
-            <a:r>
-              <a:rPr kumimoji="1" lang="en-US" altLang="ja-JP" dirty="0"/>
-              <a:t>VM </a:t>
-            </a:r>
-            <a:r>
-              <a:rPr kumimoji="1" lang="ja-JP" altLang="en-US" dirty="0"/>
-              <a:t>のほうが</a:t>
-            </a:r>
-            <a:r>
-              <a:rPr kumimoji="1" lang="en-US" altLang="ja-JP" dirty="0"/>
-              <a:t>1</a:t>
-            </a:r>
-            <a:r>
-              <a:rPr kumimoji="1" lang="ja-JP" altLang="en-US" dirty="0"/>
-              <a:t>ループに対する実行時間コストが大きい。そのため反復回数に対する時間増加がより少ない反復回数から起きはじめたと考えられる。</a:t>
-            </a:r>
-            <a:endParaRPr kumimoji="1" lang="en-US" altLang="ja-JP" dirty="0"/>
-          </a:p>
-          <a:p>
-            <a:pPr marL="0" indent="0">
-              <a:buNone/>
-            </a:pPr>
-            <a:endParaRPr lang="en-US" altLang="ja-JP" dirty="0"/>
-          </a:p>
-          <a:p>
-            <a:pPr marL="0" indent="0">
-              <a:buNone/>
-            </a:pPr>
+              <a:t>での実装</a:t>
+            </a:r>
             <a:endParaRPr kumimoji="1" lang="ja-JP" altLang="en-US" dirty="0"/>
           </a:p>
         </p:txBody>
       </p:sp>
+      <p:pic>
+        <p:nvPicPr>
+          <p:cNvPr id="14" name="コンテンツ プレースホルダー 13" descr="テーブル&#10;&#10;中程度の精度で自動的に生成された説明">
+            <a:extLst>
+              <a:ext uri="{FF2B5EF4-FFF2-40B4-BE49-F238E27FC236}">
+                <a16:creationId xmlns:a16="http://schemas.microsoft.com/office/drawing/2014/main" id="{C0EB6C2D-6EE0-6D81-ED45-7749FEA23512}"/>
+              </a:ext>
+            </a:extLst>
+          </p:cNvPr>
+          <p:cNvPicPr>
+            <a:picLocks noGrp="1" noChangeAspect="1"/>
+          </p:cNvPicPr>
+          <p:nvPr>
+            <p:ph sz="quarter" idx="4"/>
+          </p:nvPr>
+        </p:nvPicPr>
+        <p:blipFill>
+          <a:blip r:embed="rId3">
+            <a:extLst>
+              <a:ext uri="{28A0092B-C50C-407E-A947-70E740481C1C}">
+                <a14:useLocalDpi xmlns:a14="http://schemas.microsoft.com/office/drawing/2010/main" val="0"/>
+              </a:ext>
+            </a:extLst>
+          </a:blip>
+          <a:stretch>
+            <a:fillRect/>
+          </a:stretch>
+        </p:blipFill>
+        <p:spPr>
+          <a:xfrm>
+            <a:off x="6096000" y="2438811"/>
+            <a:ext cx="3212579" cy="3684588"/>
+          </a:xfrm>
+        </p:spPr>
+      </p:pic>
     </p:spTree>
     <p:extLst>
       <p:ext uri="{BB962C8B-B14F-4D97-AF65-F5344CB8AC3E}">
-        <p14:creationId xmlns:p14="http://schemas.microsoft.com/office/powerpoint/2010/main" val="3665823538"/>
+        <p14:creationId xmlns:p14="http://schemas.microsoft.com/office/powerpoint/2010/main" val="1878457736"/>
       </p:ext>
     </p:extLst>
   </p:cSld>
@@ -5847,7 +6323,7 @@
           <p:cNvPr id="2" name="タイトル 1">
             <a:extLst>
               <a:ext uri="{FF2B5EF4-FFF2-40B4-BE49-F238E27FC236}">
-                <a16:creationId xmlns:a16="http://schemas.microsoft.com/office/drawing/2014/main" id="{A9F31494-8A06-2254-B9CB-AFEA09A95775}"/>
+                <a16:creationId xmlns:a16="http://schemas.microsoft.com/office/drawing/2014/main" id="{8ADB4BC5-2770-AE79-0562-0F8CAA5811D7}"/>
               </a:ext>
             </a:extLst>
           </p:cNvPr>
@@ -5858,81 +6334,64 @@
             <p:ph type="title"/>
           </p:nvPr>
         </p:nvSpPr>
-        <p:spPr/>
+        <p:spPr>
+          <a:xfrm>
+            <a:off x="839788" y="775923"/>
+            <a:ext cx="3932237" cy="609600"/>
+          </a:xfrm>
+        </p:spPr>
         <p:txBody>
           <a:bodyPr/>
           <a:lstStyle/>
           <a:p>
             <a:r>
-              <a:rPr lang="ja-JP" altLang="en-US" dirty="0"/>
-              <a:t>今後の展望</a:t>
-            </a:r>
-            <a:endParaRPr kumimoji="1" lang="ja-JP" altLang="en-US" dirty="0"/>
-          </a:p>
-        </p:txBody>
-      </p:sp>
-      <p:sp>
-        <p:nvSpPr>
-          <p:cNvPr id="3" name="コンテンツ プレースホルダー 2">
-            <a:extLst>
-              <a:ext uri="{FF2B5EF4-FFF2-40B4-BE49-F238E27FC236}">
-                <a16:creationId xmlns:a16="http://schemas.microsoft.com/office/drawing/2014/main" id="{9E0F2840-77C7-DF9B-F097-1F4C796964D8}"/>
-              </a:ext>
-            </a:extLst>
-          </p:cNvPr>
-          <p:cNvSpPr>
-            <a:spLocks noGrp="1"/>
-          </p:cNvSpPr>
-          <p:nvPr>
-            <p:ph idx="1"/>
+              <a:rPr kumimoji="1" lang="ja-JP" altLang="en-US" dirty="0"/>
+              <a:t>結果</a:t>
+            </a:r>
+          </a:p>
+        </p:txBody>
+      </p:sp>
+      <p:sp>
+        <p:nvSpPr>
+          <p:cNvPr id="4" name="テキスト プレースホルダー 3">
+            <a:extLst>
+              <a:ext uri="{FF2B5EF4-FFF2-40B4-BE49-F238E27FC236}">
+                <a16:creationId xmlns:a16="http://schemas.microsoft.com/office/drawing/2014/main" id="{3F237188-E402-7C5B-84D4-7DB705AF786B}"/>
+              </a:ext>
+            </a:extLst>
+          </p:cNvPr>
+          <p:cNvSpPr>
+            <a:spLocks noGrp="1"/>
+          </p:cNvSpPr>
+          <p:nvPr>
+            <p:ph type="body" sz="half" idx="2"/>
           </p:nvPr>
         </p:nvSpPr>
         <p:spPr>
           <a:xfrm>
-            <a:off x="838200" y="2397125"/>
-            <a:ext cx="10515600" cy="2568575"/>
+            <a:off x="839787" y="1523206"/>
+            <a:ext cx="4608513" cy="3811588"/>
           </a:xfrm>
         </p:spPr>
         <p:txBody>
           <a:bodyPr/>
           <a:lstStyle/>
           <a:p>
-            <a:pPr marL="0" indent="0">
-              <a:buNone/>
-            </a:pPr>
-            <a:r>
-              <a:rPr kumimoji="1" lang="ja-JP" altLang="en-US" dirty="0"/>
-              <a:t>・命令の解釈をした後の情報を保存しておくことによる、命令解釈の実行時間の短縮。</a:t>
-            </a:r>
-            <a:endParaRPr kumimoji="1" lang="en-US" altLang="ja-JP" dirty="0"/>
-          </a:p>
-          <a:p>
-            <a:pPr marL="0" indent="0">
-              <a:buNone/>
-            </a:pPr>
-            <a:endParaRPr lang="en-US" altLang="ja-JP" dirty="0"/>
-          </a:p>
-          <a:p>
-            <a:pPr marL="0" indent="0">
-              <a:buNone/>
-            </a:pPr>
-            <a:r>
-              <a:rPr kumimoji="1" lang="ja-JP" altLang="en-US" dirty="0"/>
-              <a:t>・初期化の時間などを省いたループのみの時間測定</a:t>
-            </a:r>
-            <a:endParaRPr kumimoji="1" lang="en-US" altLang="ja-JP" dirty="0"/>
-          </a:p>
-          <a:p>
-            <a:pPr marL="0" indent="0">
-              <a:buNone/>
-            </a:pPr>
             <a:r>
               <a:rPr lang="en-US" altLang="ja-JP" dirty="0"/>
-              <a:t>    </a:t>
+              <a:t>for </a:t>
             </a:r>
             <a:r>
               <a:rPr lang="ja-JP" altLang="en-US" dirty="0"/>
-              <a:t>→ </a:t>
+              <a:t>文反復回数</a:t>
+            </a:r>
+            <a:r>
+              <a:rPr lang="en-US" altLang="ja-JP" dirty="0"/>
+              <a:t>10^6 </a:t>
+            </a:r>
+            <a:r>
+              <a:rPr lang="ja-JP" altLang="en-US" dirty="0"/>
+              <a:t>以降は </a:t>
             </a:r>
             <a:r>
               <a:rPr lang="en-US" altLang="ja-JP" dirty="0"/>
@@ -5940,16 +6399,110 @@
             </a:r>
             <a:r>
               <a:rPr lang="ja-JP" altLang="en-US" dirty="0"/>
-              <a:t>での時間測定機構が必要</a:t>
+              <a:t>の実行時間が測定不能なほど大きくなった。</a:t>
             </a:r>
             <a:endParaRPr lang="en-US" altLang="ja-JP" dirty="0"/>
           </a:p>
-        </p:txBody>
-      </p:sp>
+          <a:p>
+            <a:endParaRPr lang="en-US" altLang="ja-JP" dirty="0"/>
+          </a:p>
+          <a:p>
+            <a:r>
+              <a:rPr lang="en-US" altLang="ja-JP" dirty="0"/>
+              <a:t>C++</a:t>
+            </a:r>
+            <a:r>
+              <a:rPr lang="ja-JP" altLang="en-US" dirty="0"/>
+              <a:t>に比べて</a:t>
+            </a:r>
+            <a:r>
+              <a:rPr lang="en-US" altLang="ja-JP" dirty="0"/>
+              <a:t>VM</a:t>
+            </a:r>
+            <a:r>
+              <a:rPr lang="ja-JP" altLang="en-US" dirty="0"/>
+              <a:t>の方が増加し始めるのが早い。</a:t>
+            </a:r>
+            <a:endParaRPr lang="en-US" altLang="ja-JP" dirty="0"/>
+          </a:p>
+          <a:p>
+            <a:endParaRPr kumimoji="1" lang="en-US" altLang="ja-JP" dirty="0"/>
+          </a:p>
+          <a:p>
+            <a:endParaRPr kumimoji="1" lang="ja-JP" altLang="en-US" dirty="0"/>
+          </a:p>
+        </p:txBody>
+      </p:sp>
+      <p:graphicFrame>
+        <p:nvGraphicFramePr>
+          <p:cNvPr id="5" name="グラフ 4">
+            <a:extLst>
+              <a:ext uri="{FF2B5EF4-FFF2-40B4-BE49-F238E27FC236}">
+                <a16:creationId xmlns:a16="http://schemas.microsoft.com/office/drawing/2014/main" id="{C20C30EB-3904-D4A5-FB1B-CC931394A80B}"/>
+              </a:ext>
+            </a:extLst>
+          </p:cNvPr>
+          <p:cNvGraphicFramePr>
+            <a:graphicFrameLocks/>
+          </p:cNvGraphicFramePr>
+          <p:nvPr>
+            <p:extLst>
+              <p:ext uri="{D42A27DB-BD31-4B8C-83A1-F6EECF244321}">
+                <p14:modId xmlns:p14="http://schemas.microsoft.com/office/powerpoint/2010/main" val="1808736826"/>
+              </p:ext>
+            </p:extLst>
+          </p:nvPr>
+        </p:nvGraphicFramePr>
+        <p:xfrm>
+          <a:off x="839788" y="2902227"/>
+          <a:ext cx="5465412" cy="3179850"/>
+        </p:xfrm>
+        <a:graphic>
+          <a:graphicData uri="http://schemas.openxmlformats.org/drawingml/2006/chart">
+            <c:chart xmlns:c="http://schemas.openxmlformats.org/drawingml/2006/chart" xmlns:r="http://schemas.openxmlformats.org/officeDocument/2006/relationships" r:id="rId2"/>
+          </a:graphicData>
+        </a:graphic>
+      </p:graphicFrame>
+      <p:pic>
+        <p:nvPicPr>
+          <p:cNvPr id="6" name="図 5" descr="テーブル&#10;&#10;自動的に生成された説明">
+            <a:extLst>
+              <a:ext uri="{FF2B5EF4-FFF2-40B4-BE49-F238E27FC236}">
+                <a16:creationId xmlns:a16="http://schemas.microsoft.com/office/drawing/2014/main" id="{1D30EB94-A37A-B14F-CBDE-57A1B68E0F06}"/>
+              </a:ext>
+            </a:extLst>
+          </p:cNvPr>
+          <p:cNvPicPr>
+            <a:picLocks noChangeAspect="1"/>
+          </p:cNvPicPr>
+          <p:nvPr/>
+        </p:nvPicPr>
+        <p:blipFill>
+          <a:blip r:embed="rId3">
+            <a:extLst>
+              <a:ext uri="{28A0092B-C50C-407E-A947-70E740481C1C}">
+                <a14:useLocalDpi xmlns:a14="http://schemas.microsoft.com/office/drawing/2010/main" val="0"/>
+              </a:ext>
+            </a:extLst>
+          </a:blip>
+          <a:stretch>
+            <a:fillRect/>
+          </a:stretch>
+        </p:blipFill>
+        <p:spPr>
+          <a:xfrm>
+            <a:off x="6584359" y="975944"/>
+            <a:ext cx="4532245" cy="5106133"/>
+          </a:xfrm>
+          <a:prstGeom prst="rect">
+            <a:avLst/>
+          </a:prstGeom>
+        </p:spPr>
+      </p:pic>
     </p:spTree>
     <p:extLst>
       <p:ext uri="{BB962C8B-B14F-4D97-AF65-F5344CB8AC3E}">
-        <p14:creationId xmlns:p14="http://schemas.microsoft.com/office/powerpoint/2010/main" val="630378030"/>
+        <p14:creationId xmlns:p14="http://schemas.microsoft.com/office/powerpoint/2010/main" val="3714137410"/>
       </p:ext>
     </p:extLst>
   </p:cSld>
@@ -5981,7 +6534,7 @@
           <p:cNvPr id="2" name="タイトル 1">
             <a:extLst>
               <a:ext uri="{FF2B5EF4-FFF2-40B4-BE49-F238E27FC236}">
-                <a16:creationId xmlns:a16="http://schemas.microsoft.com/office/drawing/2014/main" id="{1514D980-0F1C-C103-DD1A-03FEA31943DD}"/>
+                <a16:creationId xmlns:a16="http://schemas.microsoft.com/office/drawing/2014/main" id="{5287AFCF-46DE-F764-89C6-270606A99E35}"/>
               </a:ext>
             </a:extLst>
           </p:cNvPr>
@@ -5992,28 +6545,256 @@
             <p:ph type="title"/>
           </p:nvPr>
         </p:nvSpPr>
-        <p:spPr>
-          <a:xfrm>
-            <a:off x="838200" y="2766218"/>
-            <a:ext cx="10515600" cy="1325563"/>
-          </a:xfrm>
-        </p:spPr>
+        <p:spPr/>
         <p:txBody>
           <a:bodyPr/>
           <a:lstStyle/>
           <a:p>
-            <a:pPr algn="ctr"/>
             <a:r>
               <a:rPr kumimoji="1" lang="ja-JP" altLang="en-US" dirty="0"/>
-              <a:t>質問</a:t>
-            </a:r>
+              <a:t>考察</a:t>
+            </a:r>
+          </a:p>
+        </p:txBody>
+      </p:sp>
+      <p:sp>
+        <p:nvSpPr>
+          <p:cNvPr id="3" name="コンテンツ プレースホルダー 2">
+            <a:extLst>
+              <a:ext uri="{FF2B5EF4-FFF2-40B4-BE49-F238E27FC236}">
+                <a16:creationId xmlns:a16="http://schemas.microsoft.com/office/drawing/2014/main" id="{07A91829-4C55-8026-280E-D7525C728A23}"/>
+              </a:ext>
+            </a:extLst>
+          </p:cNvPr>
+          <p:cNvSpPr>
+            <a:spLocks noGrp="1"/>
+          </p:cNvSpPr>
+          <p:nvPr>
+            <p:ph idx="1"/>
+          </p:nvPr>
+        </p:nvSpPr>
+        <p:spPr/>
+        <p:txBody>
+          <a:bodyPr/>
+          <a:lstStyle/>
+          <a:p>
+            <a:pPr marL="0" indent="0">
+              <a:buNone/>
+            </a:pPr>
+            <a:r>
+              <a:rPr kumimoji="1" lang="ja-JP" altLang="en-US" dirty="0"/>
+              <a:t>・</a:t>
+            </a:r>
+            <a:r>
+              <a:rPr kumimoji="1" lang="en-US" altLang="ja-JP" dirty="0"/>
+              <a:t>VM</a:t>
+            </a:r>
+            <a:r>
+              <a:rPr kumimoji="1" lang="ja-JP" altLang="en-US" dirty="0"/>
+              <a:t>実装について、現状</a:t>
+            </a:r>
+            <a:r>
+              <a:rPr lang="ja-JP" altLang="en-US" dirty="0"/>
+              <a:t>線形</a:t>
+            </a:r>
+            <a:r>
+              <a:rPr kumimoji="1" lang="ja-JP" altLang="en-US" dirty="0"/>
+              <a:t>的に実行時間が増加しているため、反復回数が増加</a:t>
+            </a:r>
+            <a:r>
+              <a:rPr lang="ja-JP" altLang="en-US" dirty="0"/>
+              <a:t>するにつれ今後</a:t>
+            </a:r>
+            <a:r>
+              <a:rPr kumimoji="1" lang="ja-JP" altLang="en-US" dirty="0"/>
+              <a:t>も同様の増加傾向になると考えられる。</a:t>
+            </a:r>
+            <a:endParaRPr kumimoji="1" lang="en-US" altLang="ja-JP" dirty="0"/>
+          </a:p>
+          <a:p>
+            <a:pPr marL="0" indent="0">
+              <a:buNone/>
+            </a:pPr>
+            <a:endParaRPr lang="en-US" altLang="ja-JP" dirty="0"/>
+          </a:p>
+          <a:p>
+            <a:pPr marL="0" indent="0">
+              <a:buNone/>
+            </a:pPr>
+            <a:r>
+              <a:rPr kumimoji="1" lang="ja-JP" altLang="en-US" dirty="0"/>
+              <a:t>・命令実行のたびに命令解釈を行うため、</a:t>
+            </a:r>
+            <a:r>
+              <a:rPr kumimoji="1" lang="en-US" altLang="ja-JP" dirty="0"/>
+              <a:t>VM </a:t>
+            </a:r>
+            <a:r>
+              <a:rPr kumimoji="1" lang="ja-JP" altLang="en-US" dirty="0"/>
+              <a:t>のほうが</a:t>
+            </a:r>
+            <a:r>
+              <a:rPr kumimoji="1" lang="en-US" altLang="ja-JP" dirty="0"/>
+              <a:t>1</a:t>
+            </a:r>
+            <a:r>
+              <a:rPr kumimoji="1" lang="ja-JP" altLang="en-US" dirty="0"/>
+              <a:t>ループに対する実行時間コストが大きい。そのため反復回数に対する時間増加がより少ない反復回数から起きはじめたと考えられる。</a:t>
+            </a:r>
+            <a:endParaRPr kumimoji="1" lang="en-US" altLang="ja-JP" dirty="0"/>
+          </a:p>
+          <a:p>
+            <a:pPr marL="0" indent="0">
+              <a:buNone/>
+            </a:pPr>
+            <a:endParaRPr lang="en-US" altLang="ja-JP" dirty="0"/>
+          </a:p>
+          <a:p>
+            <a:pPr marL="0" indent="0">
+              <a:buNone/>
+            </a:pPr>
+            <a:endParaRPr kumimoji="1" lang="ja-JP" altLang="en-US" dirty="0"/>
           </a:p>
         </p:txBody>
       </p:sp>
     </p:spTree>
     <p:extLst>
       <p:ext uri="{BB962C8B-B14F-4D97-AF65-F5344CB8AC3E}">
-        <p14:creationId xmlns:p14="http://schemas.microsoft.com/office/powerpoint/2010/main" val="798523603"/>
+        <p14:creationId xmlns:p14="http://schemas.microsoft.com/office/powerpoint/2010/main" val="3665823538"/>
+      </p:ext>
+    </p:extLst>
+  </p:cSld>
+  <p:clrMapOvr>
+    <a:masterClrMapping/>
+  </p:clrMapOvr>
+</p:sld>
+</file>
+
+<file path=ppt/slides/slide9.xml><?xml version="1.0" encoding="utf-8"?>
+<p:sld xmlns:a="http://schemas.openxmlformats.org/drawingml/2006/main" xmlns:r="http://schemas.openxmlformats.org/officeDocument/2006/relationships" xmlns:p="http://schemas.openxmlformats.org/presentationml/2006/main">
+  <p:cSld>
+    <p:spTree>
+      <p:nvGrpSpPr>
+        <p:cNvPr id="1" name=""/>
+        <p:cNvGrpSpPr/>
+        <p:nvPr/>
+      </p:nvGrpSpPr>
+      <p:grpSpPr>
+        <a:xfrm>
+          <a:off x="0" y="0"/>
+          <a:ext cx="0" cy="0"/>
+          <a:chOff x="0" y="0"/>
+          <a:chExt cx="0" cy="0"/>
+        </a:xfrm>
+      </p:grpSpPr>
+      <p:sp>
+        <p:nvSpPr>
+          <p:cNvPr id="2" name="タイトル 1">
+            <a:extLst>
+              <a:ext uri="{FF2B5EF4-FFF2-40B4-BE49-F238E27FC236}">
+                <a16:creationId xmlns:a16="http://schemas.microsoft.com/office/drawing/2014/main" id="{A9F31494-8A06-2254-B9CB-AFEA09A95775}"/>
+              </a:ext>
+            </a:extLst>
+          </p:cNvPr>
+          <p:cNvSpPr>
+            <a:spLocks noGrp="1"/>
+          </p:cNvSpPr>
+          <p:nvPr>
+            <p:ph type="title"/>
+          </p:nvPr>
+        </p:nvSpPr>
+        <p:spPr/>
+        <p:txBody>
+          <a:bodyPr/>
+          <a:lstStyle/>
+          <a:p>
+            <a:r>
+              <a:rPr lang="ja-JP" altLang="en-US" dirty="0"/>
+              <a:t>今後の展望</a:t>
+            </a:r>
+            <a:endParaRPr kumimoji="1" lang="ja-JP" altLang="en-US" dirty="0"/>
+          </a:p>
+        </p:txBody>
+      </p:sp>
+      <p:sp>
+        <p:nvSpPr>
+          <p:cNvPr id="3" name="コンテンツ プレースホルダー 2">
+            <a:extLst>
+              <a:ext uri="{FF2B5EF4-FFF2-40B4-BE49-F238E27FC236}">
+                <a16:creationId xmlns:a16="http://schemas.microsoft.com/office/drawing/2014/main" id="{9E0F2840-77C7-DF9B-F097-1F4C796964D8}"/>
+              </a:ext>
+            </a:extLst>
+          </p:cNvPr>
+          <p:cNvSpPr>
+            <a:spLocks noGrp="1"/>
+          </p:cNvSpPr>
+          <p:nvPr>
+            <p:ph idx="1"/>
+          </p:nvPr>
+        </p:nvSpPr>
+        <p:spPr>
+          <a:xfrm>
+            <a:off x="838200" y="2397125"/>
+            <a:ext cx="10515600" cy="2568575"/>
+          </a:xfrm>
+        </p:spPr>
+        <p:txBody>
+          <a:bodyPr/>
+          <a:lstStyle/>
+          <a:p>
+            <a:pPr marL="0" indent="0">
+              <a:buNone/>
+            </a:pPr>
+            <a:r>
+              <a:rPr kumimoji="1" lang="ja-JP" altLang="en-US" dirty="0"/>
+              <a:t>・命令の解釈をした後の情報を保存しておくことによる、命令解釈の実行時間の短縮。</a:t>
+            </a:r>
+            <a:endParaRPr kumimoji="1" lang="en-US" altLang="ja-JP" dirty="0"/>
+          </a:p>
+          <a:p>
+            <a:pPr marL="0" indent="0">
+              <a:buNone/>
+            </a:pPr>
+            <a:endParaRPr lang="en-US" altLang="ja-JP" dirty="0"/>
+          </a:p>
+          <a:p>
+            <a:pPr marL="0" indent="0">
+              <a:buNone/>
+            </a:pPr>
+            <a:r>
+              <a:rPr kumimoji="1" lang="ja-JP" altLang="en-US" dirty="0"/>
+              <a:t>・初期化の時間などを省いたループのみの時間測定</a:t>
+            </a:r>
+            <a:endParaRPr kumimoji="1" lang="en-US" altLang="ja-JP" dirty="0"/>
+          </a:p>
+          <a:p>
+            <a:pPr marL="0" indent="0">
+              <a:buNone/>
+            </a:pPr>
+            <a:r>
+              <a:rPr lang="en-US" altLang="ja-JP" dirty="0"/>
+              <a:t>    </a:t>
+            </a:r>
+            <a:r>
+              <a:rPr lang="ja-JP" altLang="en-US" dirty="0"/>
+              <a:t>→ </a:t>
+            </a:r>
+            <a:r>
+              <a:rPr lang="en-US" altLang="ja-JP" dirty="0"/>
+              <a:t>VM </a:t>
+            </a:r>
+            <a:r>
+              <a:rPr lang="ja-JP" altLang="en-US" dirty="0"/>
+              <a:t>での時間測定機構が必要</a:t>
+            </a:r>
+            <a:endParaRPr lang="en-US" altLang="ja-JP" dirty="0"/>
+          </a:p>
+        </p:txBody>
+      </p:sp>
+    </p:spTree>
+    <p:extLst>
+      <p:ext uri="{BB962C8B-B14F-4D97-AF65-F5344CB8AC3E}">
+        <p14:creationId xmlns:p14="http://schemas.microsoft.com/office/powerpoint/2010/main" val="630378030"/>
       </p:ext>
     </p:extLst>
   </p:cSld>
